--- a/VDFEditor/VDFEditor.pptx
+++ b/VDFEditor/VDFEditor.pptx
@@ -6,8 +6,11 @@
   </p:sldMasterIdLst>
   <p:sldIdLst>
     <p:sldId id="256" r:id="rId2"/>
-    <p:sldId id="257" r:id="rId3"/>
-    <p:sldId id="258" r:id="rId4"/>
+    <p:sldId id="259" r:id="rId3"/>
+    <p:sldId id="257" r:id="rId4"/>
+    <p:sldId id="260" r:id="rId5"/>
+    <p:sldId id="258" r:id="rId6"/>
+    <p:sldId id="261" r:id="rId7"/>
   </p:sldIdLst>
   <p:sldSz cx="12192000" cy="6858000"/>
   <p:notesSz cx="6858000" cy="9144000"/>
@@ -276,7 +279,7 @@
           <a:p>
             <a:fld id="{693F9E9F-A3DC-4553-B530-B0EEE8F5ED46}" type="datetimeFigureOut">
               <a:rPr lang="de-DE" smtClean="0"/>
-              <a:t>21.09.2017</a:t>
+              <a:t>24.09.2017</a:t>
             </a:fld>
             <a:endParaRPr lang="de-DE"/>
           </a:p>
@@ -474,7 +477,7 @@
           <a:p>
             <a:fld id="{693F9E9F-A3DC-4553-B530-B0EEE8F5ED46}" type="datetimeFigureOut">
               <a:rPr lang="de-DE" smtClean="0"/>
-              <a:t>21.09.2017</a:t>
+              <a:t>24.09.2017</a:t>
             </a:fld>
             <a:endParaRPr lang="de-DE"/>
           </a:p>
@@ -682,7 +685,7 @@
           <a:p>
             <a:fld id="{693F9E9F-A3DC-4553-B530-B0EEE8F5ED46}" type="datetimeFigureOut">
               <a:rPr lang="de-DE" smtClean="0"/>
-              <a:t>21.09.2017</a:t>
+              <a:t>24.09.2017</a:t>
             </a:fld>
             <a:endParaRPr lang="de-DE"/>
           </a:p>
@@ -880,7 +883,7 @@
           <a:p>
             <a:fld id="{693F9E9F-A3DC-4553-B530-B0EEE8F5ED46}" type="datetimeFigureOut">
               <a:rPr lang="de-DE" smtClean="0"/>
-              <a:t>21.09.2017</a:t>
+              <a:t>24.09.2017</a:t>
             </a:fld>
             <a:endParaRPr lang="de-DE"/>
           </a:p>
@@ -1155,7 +1158,7 @@
           <a:p>
             <a:fld id="{693F9E9F-A3DC-4553-B530-B0EEE8F5ED46}" type="datetimeFigureOut">
               <a:rPr lang="de-DE" smtClean="0"/>
-              <a:t>21.09.2017</a:t>
+              <a:t>24.09.2017</a:t>
             </a:fld>
             <a:endParaRPr lang="de-DE"/>
           </a:p>
@@ -1420,7 +1423,7 @@
           <a:p>
             <a:fld id="{693F9E9F-A3DC-4553-B530-B0EEE8F5ED46}" type="datetimeFigureOut">
               <a:rPr lang="de-DE" smtClean="0"/>
-              <a:t>21.09.2017</a:t>
+              <a:t>24.09.2017</a:t>
             </a:fld>
             <a:endParaRPr lang="de-DE"/>
           </a:p>
@@ -1832,7 +1835,7 @@
           <a:p>
             <a:fld id="{693F9E9F-A3DC-4553-B530-B0EEE8F5ED46}" type="datetimeFigureOut">
               <a:rPr lang="de-DE" smtClean="0"/>
-              <a:t>21.09.2017</a:t>
+              <a:t>24.09.2017</a:t>
             </a:fld>
             <a:endParaRPr lang="de-DE"/>
           </a:p>
@@ -1973,7 +1976,7 @@
           <a:p>
             <a:fld id="{693F9E9F-A3DC-4553-B530-B0EEE8F5ED46}" type="datetimeFigureOut">
               <a:rPr lang="de-DE" smtClean="0"/>
-              <a:t>21.09.2017</a:t>
+              <a:t>24.09.2017</a:t>
             </a:fld>
             <a:endParaRPr lang="de-DE"/>
           </a:p>
@@ -2086,7 +2089,7 @@
           <a:p>
             <a:fld id="{693F9E9F-A3DC-4553-B530-B0EEE8F5ED46}" type="datetimeFigureOut">
               <a:rPr lang="de-DE" smtClean="0"/>
-              <a:t>21.09.2017</a:t>
+              <a:t>24.09.2017</a:t>
             </a:fld>
             <a:endParaRPr lang="de-DE"/>
           </a:p>
@@ -2397,7 +2400,7 @@
           <a:p>
             <a:fld id="{693F9E9F-A3DC-4553-B530-B0EEE8F5ED46}" type="datetimeFigureOut">
               <a:rPr lang="de-DE" smtClean="0"/>
-              <a:t>21.09.2017</a:t>
+              <a:t>24.09.2017</a:t>
             </a:fld>
             <a:endParaRPr lang="de-DE"/>
           </a:p>
@@ -2685,7 +2688,7 @@
           <a:p>
             <a:fld id="{693F9E9F-A3DC-4553-B530-B0EEE8F5ED46}" type="datetimeFigureOut">
               <a:rPr lang="de-DE" smtClean="0"/>
-              <a:t>21.09.2017</a:t>
+              <a:t>24.09.2017</a:t>
             </a:fld>
             <a:endParaRPr lang="de-DE"/>
           </a:p>
@@ -2926,7 +2929,7 @@
           <a:p>
             <a:fld id="{693F9E9F-A3DC-4553-B530-B0EEE8F5ED46}" type="datetimeFigureOut">
               <a:rPr lang="de-DE" smtClean="0"/>
-              <a:t>21.09.2017</a:t>
+              <a:t>24.09.2017</a:t>
             </a:fld>
             <a:endParaRPr lang="de-DE"/>
           </a:p>
@@ -3972,7 +3975,7 @@
           <p:cNvPr id="2" name="Grafik 1">
             <a:extLst>
               <a:ext uri="{FF2B5EF4-FFF2-40B4-BE49-F238E27FC236}">
-                <a16:creationId xmlns:a16="http://schemas.microsoft.com/office/drawing/2014/main" id="{C91DCE42-7088-41A5-A961-8615AA63B733}"/>
+                <a16:creationId xmlns:a16="http://schemas.microsoft.com/office/drawing/2014/main" id="{8256DBFD-3D48-47C5-936F-98906E37E30B}"/>
               </a:ext>
             </a:extLst>
           </p:cNvPr>
@@ -3989,8 +3992,8 @@
         </p:blipFill>
         <p:spPr>
           <a:xfrm>
-            <a:off x="2055784" y="2556588"/>
-            <a:ext cx="8080432" cy="805445"/>
+            <a:off x="4185945" y="0"/>
+            <a:ext cx="3859547" cy="6858000"/>
           </a:xfrm>
           <a:prstGeom prst="rect">
             <a:avLst/>
@@ -3999,10 +4002,10 @@
       </p:pic>
       <p:sp>
         <p:nvSpPr>
-          <p:cNvPr id="3" name="Sprechblase: rechteckig 2">
-            <a:extLst>
-              <a:ext uri="{FF2B5EF4-FFF2-40B4-BE49-F238E27FC236}">
-                <a16:creationId xmlns:a16="http://schemas.microsoft.com/office/drawing/2014/main" id="{73A7B078-00FC-4273-A4EF-F06BAC541B0C}"/>
+          <p:cNvPr id="5" name="Sprechblase: rechteckig 4">
+            <a:extLst>
+              <a:ext uri="{FF2B5EF4-FFF2-40B4-BE49-F238E27FC236}">
+                <a16:creationId xmlns:a16="http://schemas.microsoft.com/office/drawing/2014/main" id="{EC52D10C-A5BB-4983-9802-C15B510EBF68}"/>
               </a:ext>
             </a:extLst>
           </p:cNvPr>
@@ -4011,13 +4014,13 @@
         </p:nvSpPr>
         <p:spPr>
           <a:xfrm>
-            <a:off x="3275046" y="839755"/>
-            <a:ext cx="1343608" cy="802433"/>
+            <a:off x="1215025" y="1073020"/>
+            <a:ext cx="1752110" cy="802433"/>
           </a:xfrm>
           <a:prstGeom prst="wedgeRectCallout">
             <a:avLst>
-              <a:gd name="adj1" fmla="val -55555"/>
-              <a:gd name="adj2" fmla="val 191568"/>
+              <a:gd name="adj1" fmla="val 196528"/>
+              <a:gd name="adj2" fmla="val 10174"/>
             </a:avLst>
           </a:prstGeom>
         </p:spPr>
@@ -4043,18 +4046,18 @@
           <a:p>
             <a:pPr algn="ctr"/>
             <a:r>
-              <a:rPr lang="de-DE" dirty="0"/>
-              <a:t>Dateiname</a:t>
-            </a:r>
-          </a:p>
-        </p:txBody>
-      </p:sp>
-      <p:sp>
-        <p:nvSpPr>
-          <p:cNvPr id="4" name="Sprechblase: rechteckig 3">
-            <a:extLst>
-              <a:ext uri="{FF2B5EF4-FFF2-40B4-BE49-F238E27FC236}">
-                <a16:creationId xmlns:a16="http://schemas.microsoft.com/office/drawing/2014/main" id="{84F1C653-A14A-42F7-90FA-050966D39F55}"/>
+              <a:rPr lang="en-US"/>
+              <a:t>List of announcements</a:t>
+            </a:r>
+          </a:p>
+        </p:txBody>
+      </p:sp>
+      <p:sp>
+        <p:nvSpPr>
+          <p:cNvPr id="6" name="Sprechblase: rechteckig 5">
+            <a:extLst>
+              <a:ext uri="{FF2B5EF4-FFF2-40B4-BE49-F238E27FC236}">
+                <a16:creationId xmlns:a16="http://schemas.microsoft.com/office/drawing/2014/main" id="{F9512818-6B96-4C73-81DA-F69B4D2AB697}"/>
               </a:ext>
             </a:extLst>
           </p:cNvPr>
@@ -4063,13 +4066,13 @@
         </p:nvSpPr>
         <p:spPr>
           <a:xfrm>
-            <a:off x="8462866" y="895739"/>
+            <a:off x="1551269" y="4935894"/>
             <a:ext cx="1343608" cy="802433"/>
           </a:xfrm>
           <a:prstGeom prst="wedgeRectCallout">
             <a:avLst>
-              <a:gd name="adj1" fmla="val -55555"/>
-              <a:gd name="adj2" fmla="val 191568"/>
+              <a:gd name="adj1" fmla="val 187500"/>
+              <a:gd name="adj2" fmla="val 169477"/>
             </a:avLst>
           </a:prstGeom>
         </p:spPr>
@@ -4095,18 +4098,18 @@
           <a:p>
             <a:pPr algn="ctr"/>
             <a:r>
-              <a:rPr lang="de-DE" dirty="0"/>
-              <a:t>VDF Variante und Version</a:t>
-            </a:r>
-          </a:p>
-        </p:txBody>
-      </p:sp>
-      <p:sp>
-        <p:nvSpPr>
-          <p:cNvPr id="5" name="Sprechblase: rechteckig 4">
-            <a:extLst>
-              <a:ext uri="{FF2B5EF4-FFF2-40B4-BE49-F238E27FC236}">
-                <a16:creationId xmlns:a16="http://schemas.microsoft.com/office/drawing/2014/main" id="{ED788F4F-FC9D-421F-AE08-EA7CAF2D199B}"/>
+              <a:rPr lang="en-US"/>
+              <a:t>VDF Version</a:t>
+            </a:r>
+          </a:p>
+        </p:txBody>
+      </p:sp>
+      <p:sp>
+        <p:nvSpPr>
+          <p:cNvPr id="7" name="Sprechblase: rechteckig 6">
+            <a:extLst>
+              <a:ext uri="{FF2B5EF4-FFF2-40B4-BE49-F238E27FC236}">
+                <a16:creationId xmlns:a16="http://schemas.microsoft.com/office/drawing/2014/main" id="{829A246E-275E-479E-8A55-D8A54DA8C46B}"/>
               </a:ext>
             </a:extLst>
           </p:cNvPr>
@@ -4115,13 +4118,13 @@
         </p:nvSpPr>
         <p:spPr>
           <a:xfrm>
-            <a:off x="5103846" y="4058816"/>
+            <a:off x="9224864" y="4935894"/>
             <a:ext cx="1343608" cy="802433"/>
           </a:xfrm>
           <a:prstGeom prst="wedgeRectCallout">
             <a:avLst>
-              <a:gd name="adj1" fmla="val -45833"/>
-              <a:gd name="adj2" fmla="val -173548"/>
+              <a:gd name="adj1" fmla="val -162500"/>
+              <a:gd name="adj2" fmla="val 168314"/>
             </a:avLst>
           </a:prstGeom>
         </p:spPr>
@@ -4147,8 +4150,416 @@
           <a:p>
             <a:pPr algn="ctr"/>
             <a:r>
-              <a:rPr lang="de-DE" dirty="0"/>
-              <a:t>Speicher-verbrauch</a:t>
+              <a:rPr lang="en-US"/>
+              <a:t>Transmitter Type</a:t>
+            </a:r>
+          </a:p>
+        </p:txBody>
+      </p:sp>
+      <p:sp>
+        <p:nvSpPr>
+          <p:cNvPr id="8" name="Sprechblase: rechteckig 7">
+            <a:extLst>
+              <a:ext uri="{FF2B5EF4-FFF2-40B4-BE49-F238E27FC236}">
+                <a16:creationId xmlns:a16="http://schemas.microsoft.com/office/drawing/2014/main" id="{7F823AC3-4CCD-4E68-BBAE-56607968C5B6}"/>
+              </a:ext>
+            </a:extLst>
+          </p:cNvPr>
+          <p:cNvSpPr/>
+          <p:nvPr/>
+        </p:nvSpPr>
+        <p:spPr>
+          <a:xfrm>
+            <a:off x="7797281" y="3853543"/>
+            <a:ext cx="1343608" cy="802433"/>
+          </a:xfrm>
+          <a:prstGeom prst="wedgeRectCallout">
+            <a:avLst>
+              <a:gd name="adj1" fmla="val -173610"/>
+              <a:gd name="adj2" fmla="val 307848"/>
+            </a:avLst>
+          </a:prstGeom>
+        </p:spPr>
+        <p:style>
+          <a:lnRef idx="2">
+            <a:schemeClr val="accent1">
+              <a:shade val="50000"/>
+            </a:schemeClr>
+          </a:lnRef>
+          <a:fillRef idx="1">
+            <a:schemeClr val="accent1"/>
+          </a:fillRef>
+          <a:effectRef idx="0">
+            <a:schemeClr val="accent1"/>
+          </a:effectRef>
+          <a:fontRef idx="minor">
+            <a:schemeClr val="lt1"/>
+          </a:fontRef>
+        </p:style>
+        <p:txBody>
+          <a:bodyPr rtlCol="0" anchor="ctr"/>
+          <a:lstStyle/>
+          <a:p>
+            <a:pPr algn="ctr"/>
+            <a:r>
+              <a:rPr lang="en-US"/>
+              <a:t>Country Code</a:t>
+            </a:r>
+          </a:p>
+        </p:txBody>
+      </p:sp>
+      <p:pic>
+        <p:nvPicPr>
+          <p:cNvPr id="9" name="Grafik 8">
+            <a:extLst>
+              <a:ext uri="{FF2B5EF4-FFF2-40B4-BE49-F238E27FC236}">
+                <a16:creationId xmlns:a16="http://schemas.microsoft.com/office/drawing/2014/main" id="{14CA4290-D6F6-4FE1-A3DB-FF4E944A2AAD}"/>
+              </a:ext>
+            </a:extLst>
+          </p:cNvPr>
+          <p:cNvPicPr>
+            <a:picLocks noChangeAspect="1"/>
+          </p:cNvPicPr>
+          <p:nvPr/>
+        </p:nvPicPr>
+        <p:blipFill>
+          <a:blip r:embed="rId3"/>
+          <a:stretch>
+            <a:fillRect/>
+          </a:stretch>
+        </p:blipFill>
+        <p:spPr>
+          <a:xfrm>
+            <a:off x="4857749" y="2855167"/>
+            <a:ext cx="5759355" cy="718457"/>
+          </a:xfrm>
+          <a:prstGeom prst="rect">
+            <a:avLst/>
+          </a:prstGeom>
+        </p:spPr>
+      </p:pic>
+      <p:cxnSp>
+        <p:nvCxnSpPr>
+          <p:cNvPr id="11" name="Gerader Verbinder 10">
+            <a:extLst>
+              <a:ext uri="{FF2B5EF4-FFF2-40B4-BE49-F238E27FC236}">
+                <a16:creationId xmlns:a16="http://schemas.microsoft.com/office/drawing/2014/main" id="{F07528CE-A366-4765-81CA-5CB9E680ABB0}"/>
+              </a:ext>
+            </a:extLst>
+          </p:cNvPr>
+          <p:cNvCxnSpPr>
+            <a:cxnSpLocks/>
+          </p:cNvCxnSpPr>
+          <p:nvPr/>
+        </p:nvCxnSpPr>
+        <p:spPr>
+          <a:xfrm flipH="1">
+            <a:off x="4329404" y="3573624"/>
+            <a:ext cx="550506" cy="799223"/>
+          </a:xfrm>
+          <a:prstGeom prst="line">
+            <a:avLst/>
+          </a:prstGeom>
+        </p:spPr>
+        <p:style>
+          <a:lnRef idx="1">
+            <a:schemeClr val="accent1"/>
+          </a:lnRef>
+          <a:fillRef idx="0">
+            <a:schemeClr val="accent1"/>
+          </a:fillRef>
+          <a:effectRef idx="0">
+            <a:schemeClr val="accent1"/>
+          </a:effectRef>
+          <a:fontRef idx="minor">
+            <a:schemeClr val="tx1"/>
+          </a:fontRef>
+        </p:style>
+      </p:cxnSp>
+      <p:cxnSp>
+        <p:nvCxnSpPr>
+          <p:cNvPr id="13" name="Gerader Verbinder 12">
+            <a:extLst>
+              <a:ext uri="{FF2B5EF4-FFF2-40B4-BE49-F238E27FC236}">
+                <a16:creationId xmlns:a16="http://schemas.microsoft.com/office/drawing/2014/main" id="{84878C25-3D08-41F6-8646-C38053EE2E09}"/>
+              </a:ext>
+            </a:extLst>
+          </p:cNvPr>
+          <p:cNvCxnSpPr>
+            <a:cxnSpLocks/>
+          </p:cNvCxnSpPr>
+          <p:nvPr/>
+        </p:nvCxnSpPr>
+        <p:spPr>
+          <a:xfrm flipH="1">
+            <a:off x="5703654" y="3573624"/>
+            <a:ext cx="4864818" cy="1020243"/>
+          </a:xfrm>
+          <a:prstGeom prst="line">
+            <a:avLst/>
+          </a:prstGeom>
+        </p:spPr>
+        <p:style>
+          <a:lnRef idx="1">
+            <a:schemeClr val="accent1"/>
+          </a:lnRef>
+          <a:fillRef idx="0">
+            <a:schemeClr val="accent1"/>
+          </a:fillRef>
+          <a:effectRef idx="0">
+            <a:schemeClr val="accent1"/>
+          </a:effectRef>
+          <a:fontRef idx="minor">
+            <a:schemeClr val="tx1"/>
+          </a:fontRef>
+        </p:style>
+      </p:cxnSp>
+      <p:sp>
+        <p:nvSpPr>
+          <p:cNvPr id="14" name="Rechteck 13">
+            <a:extLst>
+              <a:ext uri="{FF2B5EF4-FFF2-40B4-BE49-F238E27FC236}">
+                <a16:creationId xmlns:a16="http://schemas.microsoft.com/office/drawing/2014/main" id="{68A17438-C336-431B-88D4-825623D51449}"/>
+              </a:ext>
+            </a:extLst>
+          </p:cNvPr>
+          <p:cNvSpPr/>
+          <p:nvPr/>
+        </p:nvSpPr>
+        <p:spPr>
+          <a:xfrm>
+            <a:off x="4857749" y="2855167"/>
+            <a:ext cx="5759355" cy="730995"/>
+          </a:xfrm>
+          <a:prstGeom prst="rect">
+            <a:avLst/>
+          </a:prstGeom>
+          <a:noFill/>
+        </p:spPr>
+        <p:style>
+          <a:lnRef idx="2">
+            <a:schemeClr val="accent1">
+              <a:shade val="50000"/>
+            </a:schemeClr>
+          </a:lnRef>
+          <a:fillRef idx="1">
+            <a:schemeClr val="accent1"/>
+          </a:fillRef>
+          <a:effectRef idx="0">
+            <a:schemeClr val="accent1"/>
+          </a:effectRef>
+          <a:fontRef idx="minor">
+            <a:schemeClr val="lt1"/>
+          </a:fontRef>
+        </p:style>
+        <p:txBody>
+          <a:bodyPr rtlCol="0" anchor="ctr"/>
+          <a:lstStyle/>
+          <a:p>
+            <a:pPr algn="ctr"/>
+            <a:endParaRPr lang="en-US"/>
+          </a:p>
+        </p:txBody>
+      </p:sp>
+      <p:sp>
+        <p:nvSpPr>
+          <p:cNvPr id="15" name="Sprechblase: rechteckig 14">
+            <a:extLst>
+              <a:ext uri="{FF2B5EF4-FFF2-40B4-BE49-F238E27FC236}">
+                <a16:creationId xmlns:a16="http://schemas.microsoft.com/office/drawing/2014/main" id="{86872DF3-710B-4FCB-AD45-44A91AC72D9F}"/>
+              </a:ext>
+            </a:extLst>
+          </p:cNvPr>
+          <p:cNvSpPr/>
+          <p:nvPr/>
+        </p:nvSpPr>
+        <p:spPr>
+          <a:xfrm>
+            <a:off x="5915609" y="1026367"/>
+            <a:ext cx="1343608" cy="802433"/>
+          </a:xfrm>
+          <a:prstGeom prst="wedgeRectCallout">
+            <a:avLst>
+              <a:gd name="adj1" fmla="val -55555"/>
+              <a:gd name="adj2" fmla="val 191568"/>
+            </a:avLst>
+          </a:prstGeom>
+        </p:spPr>
+        <p:style>
+          <a:lnRef idx="2">
+            <a:schemeClr val="accent1">
+              <a:shade val="50000"/>
+            </a:schemeClr>
+          </a:lnRef>
+          <a:fillRef idx="1">
+            <a:schemeClr val="accent1"/>
+          </a:fillRef>
+          <a:effectRef idx="0">
+            <a:schemeClr val="accent1"/>
+          </a:effectRef>
+          <a:fontRef idx="minor">
+            <a:schemeClr val="lt1"/>
+          </a:fontRef>
+        </p:style>
+        <p:txBody>
+          <a:bodyPr rtlCol="0" anchor="ctr"/>
+          <a:lstStyle/>
+          <a:p>
+            <a:pPr algn="ctr"/>
+            <a:r>
+              <a:rPr lang="en-US"/>
+              <a:t>Playback Button</a:t>
+            </a:r>
+          </a:p>
+        </p:txBody>
+      </p:sp>
+      <p:sp>
+        <p:nvSpPr>
+          <p:cNvPr id="16" name="Rechteck 15">
+            <a:extLst>
+              <a:ext uri="{FF2B5EF4-FFF2-40B4-BE49-F238E27FC236}">
+                <a16:creationId xmlns:a16="http://schemas.microsoft.com/office/drawing/2014/main" id="{F016D4D8-1DE1-482B-8665-3A39B66012E6}"/>
+              </a:ext>
+            </a:extLst>
+          </p:cNvPr>
+          <p:cNvSpPr/>
+          <p:nvPr/>
+        </p:nvSpPr>
+        <p:spPr>
+          <a:xfrm>
+            <a:off x="4329404" y="4385385"/>
+            <a:ext cx="1374250" cy="195944"/>
+          </a:xfrm>
+          <a:prstGeom prst="rect">
+            <a:avLst/>
+          </a:prstGeom>
+          <a:noFill/>
+        </p:spPr>
+        <p:style>
+          <a:lnRef idx="2">
+            <a:schemeClr val="accent1">
+              <a:shade val="50000"/>
+            </a:schemeClr>
+          </a:lnRef>
+          <a:fillRef idx="1">
+            <a:schemeClr val="accent1"/>
+          </a:fillRef>
+          <a:effectRef idx="0">
+            <a:schemeClr val="accent1"/>
+          </a:effectRef>
+          <a:fontRef idx="minor">
+            <a:schemeClr val="lt1"/>
+          </a:fontRef>
+        </p:style>
+        <p:txBody>
+          <a:bodyPr rtlCol="0" anchor="ctr"/>
+          <a:lstStyle/>
+          <a:p>
+            <a:pPr algn="ctr"/>
+            <a:endParaRPr lang="en-US"/>
+          </a:p>
+        </p:txBody>
+      </p:sp>
+      <p:sp>
+        <p:nvSpPr>
+          <p:cNvPr id="19" name="Sprechblase: rechteckig 18">
+            <a:extLst>
+              <a:ext uri="{FF2B5EF4-FFF2-40B4-BE49-F238E27FC236}">
+                <a16:creationId xmlns:a16="http://schemas.microsoft.com/office/drawing/2014/main" id="{708D6DAE-E694-43E9-92AC-D21E0CD64CCB}"/>
+              </a:ext>
+            </a:extLst>
+          </p:cNvPr>
+          <p:cNvSpPr/>
+          <p:nvPr/>
+        </p:nvSpPr>
+        <p:spPr>
+          <a:xfrm>
+            <a:off x="2029216" y="3004457"/>
+            <a:ext cx="1537465" cy="802433"/>
+          </a:xfrm>
+          <a:prstGeom prst="wedgeRectCallout">
+            <a:avLst>
+              <a:gd name="adj1" fmla="val 168057"/>
+              <a:gd name="adj2" fmla="val -17733"/>
+            </a:avLst>
+          </a:prstGeom>
+        </p:spPr>
+        <p:style>
+          <a:lnRef idx="2">
+            <a:schemeClr val="accent1">
+              <a:shade val="50000"/>
+            </a:schemeClr>
+          </a:lnRef>
+          <a:fillRef idx="1">
+            <a:schemeClr val="accent1"/>
+          </a:fillRef>
+          <a:effectRef idx="0">
+            <a:schemeClr val="accent1"/>
+          </a:effectRef>
+          <a:fontRef idx="minor">
+            <a:schemeClr val="lt1"/>
+          </a:fontRef>
+        </p:style>
+        <p:txBody>
+          <a:bodyPr rtlCol="0" anchor="ctr"/>
+          <a:lstStyle/>
+          <a:p>
+            <a:pPr algn="ctr"/>
+            <a:r>
+              <a:rPr lang="en-US"/>
+              <a:t>Announcment Number </a:t>
+            </a:r>
+          </a:p>
+        </p:txBody>
+      </p:sp>
+      <p:sp>
+        <p:nvSpPr>
+          <p:cNvPr id="20" name="Sprechblase: rechteckig 19">
+            <a:extLst>
+              <a:ext uri="{FF2B5EF4-FFF2-40B4-BE49-F238E27FC236}">
+                <a16:creationId xmlns:a16="http://schemas.microsoft.com/office/drawing/2014/main" id="{85E774DD-A9C6-471C-8217-13ACB913B7A0}"/>
+              </a:ext>
+            </a:extLst>
+          </p:cNvPr>
+          <p:cNvSpPr/>
+          <p:nvPr/>
+        </p:nvSpPr>
+        <p:spPr>
+          <a:xfrm>
+            <a:off x="8136063" y="1045029"/>
+            <a:ext cx="1343608" cy="802433"/>
+          </a:xfrm>
+          <a:prstGeom prst="wedgeRectCallout">
+            <a:avLst>
+              <a:gd name="adj1" fmla="val -55555"/>
+              <a:gd name="adj2" fmla="val 191568"/>
+            </a:avLst>
+          </a:prstGeom>
+        </p:spPr>
+        <p:style>
+          <a:lnRef idx="2">
+            <a:schemeClr val="accent1">
+              <a:shade val="50000"/>
+            </a:schemeClr>
+          </a:lnRef>
+          <a:fillRef idx="1">
+            <a:schemeClr val="accent1"/>
+          </a:fillRef>
+          <a:effectRef idx="0">
+            <a:schemeClr val="accent1"/>
+          </a:effectRef>
+          <a:fontRef idx="minor">
+            <a:schemeClr val="lt1"/>
+          </a:fontRef>
+        </p:style>
+        <p:txBody>
+          <a:bodyPr rtlCol="0" anchor="ctr"/>
+          <a:lstStyle/>
+          <a:p>
+            <a:pPr algn="ctr"/>
+            <a:r>
+              <a:rPr lang="en-US"/>
+              <a:t>Name</a:t>
             </a:r>
           </a:p>
         </p:txBody>
@@ -4156,7 +4567,7 @@
     </p:spTree>
     <p:extLst>
       <p:ext uri="{BB962C8B-B14F-4D97-AF65-F5344CB8AC3E}">
-        <p14:creationId xmlns:p14="http://schemas.microsoft.com/office/powerpoint/2010/main" val="2002645017"/>
+        <p14:creationId xmlns:p14="http://schemas.microsoft.com/office/powerpoint/2010/main" val="555415120"/>
       </p:ext>
     </p:extLst>
   </p:cSld>
@@ -4188,7 +4599,7 @@
           <p:cNvPr id="2" name="Grafik 1">
             <a:extLst>
               <a:ext uri="{FF2B5EF4-FFF2-40B4-BE49-F238E27FC236}">
-                <a16:creationId xmlns:a16="http://schemas.microsoft.com/office/drawing/2014/main" id="{DC82861D-EEE4-4F9A-A03A-77DE1B92E6E6}"/>
+                <a16:creationId xmlns:a16="http://schemas.microsoft.com/office/drawing/2014/main" id="{C91DCE42-7088-41A5-A961-8615AA63B733}"/>
               </a:ext>
             </a:extLst>
           </p:cNvPr>
@@ -4205,8 +4616,8 @@
         </p:blipFill>
         <p:spPr>
           <a:xfrm>
-            <a:off x="2773469" y="3172408"/>
-            <a:ext cx="5727593" cy="442329"/>
+            <a:off x="2055784" y="2556588"/>
+            <a:ext cx="8080432" cy="805445"/>
           </a:xfrm>
           <a:prstGeom prst="rect">
             <a:avLst/>
@@ -4218,7 +4629,7 @@
           <p:cNvPr id="3" name="Sprechblase: rechteckig 2">
             <a:extLst>
               <a:ext uri="{FF2B5EF4-FFF2-40B4-BE49-F238E27FC236}">
-                <a16:creationId xmlns:a16="http://schemas.microsoft.com/office/drawing/2014/main" id="{88F2A0C2-9D00-4934-A5D9-B31301265510}"/>
+                <a16:creationId xmlns:a16="http://schemas.microsoft.com/office/drawing/2014/main" id="{73A7B078-00FC-4273-A4EF-F06BAC541B0C}"/>
               </a:ext>
             </a:extLst>
           </p:cNvPr>
@@ -4227,13 +4638,13 @@
         </p:nvSpPr>
         <p:spPr>
           <a:xfrm>
-            <a:off x="2985797" y="1296955"/>
+            <a:off x="3275046" y="839755"/>
             <a:ext cx="1343608" cy="802433"/>
           </a:xfrm>
           <a:prstGeom prst="wedgeRectCallout">
             <a:avLst>
-              <a:gd name="adj1" fmla="val 27778"/>
-              <a:gd name="adj2" fmla="val 197382"/>
+              <a:gd name="adj1" fmla="val -55555"/>
+              <a:gd name="adj2" fmla="val 191568"/>
             </a:avLst>
           </a:prstGeom>
         </p:spPr>
@@ -4260,7 +4671,7 @@
             <a:pPr algn="ctr"/>
             <a:r>
               <a:rPr lang="de-DE" dirty="0"/>
-              <a:t>VDF Version</a:t>
+              <a:t>Dateiname</a:t>
             </a:r>
           </a:p>
         </p:txBody>
@@ -4270,7 +4681,7 @@
           <p:cNvPr id="4" name="Sprechblase: rechteckig 3">
             <a:extLst>
               <a:ext uri="{FF2B5EF4-FFF2-40B4-BE49-F238E27FC236}">
-                <a16:creationId xmlns:a16="http://schemas.microsoft.com/office/drawing/2014/main" id="{6970BA89-B20E-4C1D-8BCB-288152C7B755}"/>
+                <a16:creationId xmlns:a16="http://schemas.microsoft.com/office/drawing/2014/main" id="{84F1C653-A14A-42F7-90FA-050966D39F55}"/>
               </a:ext>
             </a:extLst>
           </p:cNvPr>
@@ -4279,13 +4690,13 @@
         </p:nvSpPr>
         <p:spPr>
           <a:xfrm>
-            <a:off x="6979300" y="1296955"/>
+            <a:off x="8462866" y="895739"/>
             <a:ext cx="1343608" cy="802433"/>
           </a:xfrm>
           <a:prstGeom prst="wedgeRectCallout">
             <a:avLst>
-              <a:gd name="adj1" fmla="val 27778"/>
-              <a:gd name="adj2" fmla="val 197382"/>
+              <a:gd name="adj1" fmla="val -55555"/>
+              <a:gd name="adj2" fmla="val 191568"/>
             </a:avLst>
           </a:prstGeom>
         </p:spPr>
@@ -4312,7 +4723,7 @@
             <a:pPr algn="ctr"/>
             <a:r>
               <a:rPr lang="de-DE" dirty="0"/>
-              <a:t>Sendertyp</a:t>
+              <a:t>VDF Variante und Version</a:t>
             </a:r>
           </a:p>
         </p:txBody>
@@ -4322,7 +4733,7 @@
           <p:cNvPr id="5" name="Sprechblase: rechteckig 4">
             <a:extLst>
               <a:ext uri="{FF2B5EF4-FFF2-40B4-BE49-F238E27FC236}">
-                <a16:creationId xmlns:a16="http://schemas.microsoft.com/office/drawing/2014/main" id="{6FF8CC28-0BC7-4214-BF24-0E89AC5C4BF2}"/>
+                <a16:creationId xmlns:a16="http://schemas.microsoft.com/office/drawing/2014/main" id="{ED788F4F-FC9D-421F-AE08-EA7CAF2D199B}"/>
               </a:ext>
             </a:extLst>
           </p:cNvPr>
@@ -4331,13 +4742,13 @@
         </p:nvSpPr>
         <p:spPr>
           <a:xfrm>
-            <a:off x="4965461" y="4286540"/>
+            <a:off x="5103846" y="4058816"/>
             <a:ext cx="1343608" cy="802433"/>
           </a:xfrm>
           <a:prstGeom prst="wedgeRectCallout">
             <a:avLst>
-              <a:gd name="adj1" fmla="val 2778"/>
-              <a:gd name="adj2" fmla="val -161920"/>
+              <a:gd name="adj1" fmla="val -45833"/>
+              <a:gd name="adj2" fmla="val -173548"/>
             </a:avLst>
           </a:prstGeom>
         </p:spPr>
@@ -4364,6 +4775,443 @@
             <a:pPr algn="ctr"/>
             <a:r>
               <a:rPr lang="de-DE" dirty="0"/>
+              <a:t>Speicher-verbrauch</a:t>
+            </a:r>
+          </a:p>
+        </p:txBody>
+      </p:sp>
+    </p:spTree>
+    <p:extLst>
+      <p:ext uri="{BB962C8B-B14F-4D97-AF65-F5344CB8AC3E}">
+        <p14:creationId xmlns:p14="http://schemas.microsoft.com/office/powerpoint/2010/main" val="2002645017"/>
+      </p:ext>
+    </p:extLst>
+  </p:cSld>
+  <p:clrMapOvr>
+    <a:masterClrMapping/>
+  </p:clrMapOvr>
+</p:sld>
+</file>
+
+<file path=ppt/slides/slide4.xml><?xml version="1.0" encoding="utf-8"?>
+<p:sld xmlns:a="http://schemas.openxmlformats.org/drawingml/2006/main" xmlns:r="http://schemas.openxmlformats.org/officeDocument/2006/relationships" xmlns:p="http://schemas.openxmlformats.org/presentationml/2006/main">
+  <p:cSld>
+    <p:spTree>
+      <p:nvGrpSpPr>
+        <p:cNvPr id="1" name=""/>
+        <p:cNvGrpSpPr/>
+        <p:nvPr/>
+      </p:nvGrpSpPr>
+      <p:grpSpPr>
+        <a:xfrm>
+          <a:off x="0" y="0"/>
+          <a:ext cx="0" cy="0"/>
+          <a:chOff x="0" y="0"/>
+          <a:chExt cx="0" cy="0"/>
+        </a:xfrm>
+      </p:grpSpPr>
+      <p:pic>
+        <p:nvPicPr>
+          <p:cNvPr id="6" name="Grafik 5">
+            <a:extLst>
+              <a:ext uri="{FF2B5EF4-FFF2-40B4-BE49-F238E27FC236}">
+                <a16:creationId xmlns:a16="http://schemas.microsoft.com/office/drawing/2014/main" id="{7B05785E-63B0-4EB9-83B9-5E792BB31D70}"/>
+              </a:ext>
+            </a:extLst>
+          </p:cNvPr>
+          <p:cNvPicPr>
+            <a:picLocks noChangeAspect="1"/>
+          </p:cNvPicPr>
+          <p:nvPr/>
+        </p:nvPicPr>
+        <p:blipFill>
+          <a:blip r:embed="rId2"/>
+          <a:stretch>
+            <a:fillRect/>
+          </a:stretch>
+        </p:blipFill>
+        <p:spPr>
+          <a:xfrm>
+            <a:off x="2124166" y="2564607"/>
+            <a:ext cx="7906477" cy="667109"/>
+          </a:xfrm>
+          <a:prstGeom prst="rect">
+            <a:avLst/>
+          </a:prstGeom>
+        </p:spPr>
+      </p:pic>
+      <p:sp>
+        <p:nvSpPr>
+          <p:cNvPr id="3" name="Sprechblase: rechteckig 2">
+            <a:extLst>
+              <a:ext uri="{FF2B5EF4-FFF2-40B4-BE49-F238E27FC236}">
+                <a16:creationId xmlns:a16="http://schemas.microsoft.com/office/drawing/2014/main" id="{73A7B078-00FC-4273-A4EF-F06BAC541B0C}"/>
+              </a:ext>
+            </a:extLst>
+          </p:cNvPr>
+          <p:cNvSpPr/>
+          <p:nvPr/>
+        </p:nvSpPr>
+        <p:spPr>
+          <a:xfrm>
+            <a:off x="3275046" y="839755"/>
+            <a:ext cx="1343608" cy="802433"/>
+          </a:xfrm>
+          <a:prstGeom prst="wedgeRectCallout">
+            <a:avLst>
+              <a:gd name="adj1" fmla="val -55555"/>
+              <a:gd name="adj2" fmla="val 191568"/>
+            </a:avLst>
+          </a:prstGeom>
+        </p:spPr>
+        <p:style>
+          <a:lnRef idx="2">
+            <a:schemeClr val="accent1">
+              <a:shade val="50000"/>
+            </a:schemeClr>
+          </a:lnRef>
+          <a:fillRef idx="1">
+            <a:schemeClr val="accent1"/>
+          </a:fillRef>
+          <a:effectRef idx="0">
+            <a:schemeClr val="accent1"/>
+          </a:effectRef>
+          <a:fontRef idx="minor">
+            <a:schemeClr val="lt1"/>
+          </a:fontRef>
+        </p:style>
+        <p:txBody>
+          <a:bodyPr rtlCol="0" anchor="ctr"/>
+          <a:lstStyle/>
+          <a:p>
+            <a:pPr algn="ctr"/>
+            <a:r>
+              <a:rPr lang="de-DE" dirty="0"/>
+              <a:t>File Name</a:t>
+            </a:r>
+          </a:p>
+        </p:txBody>
+      </p:sp>
+      <p:sp>
+        <p:nvSpPr>
+          <p:cNvPr id="4" name="Sprechblase: rechteckig 3">
+            <a:extLst>
+              <a:ext uri="{FF2B5EF4-FFF2-40B4-BE49-F238E27FC236}">
+                <a16:creationId xmlns:a16="http://schemas.microsoft.com/office/drawing/2014/main" id="{84F1C653-A14A-42F7-90FA-050966D39F55}"/>
+              </a:ext>
+            </a:extLst>
+          </p:cNvPr>
+          <p:cNvSpPr/>
+          <p:nvPr/>
+        </p:nvSpPr>
+        <p:spPr>
+          <a:xfrm>
+            <a:off x="8462866" y="895739"/>
+            <a:ext cx="1343608" cy="802433"/>
+          </a:xfrm>
+          <a:prstGeom prst="wedgeRectCallout">
+            <a:avLst>
+              <a:gd name="adj1" fmla="val -55555"/>
+              <a:gd name="adj2" fmla="val 191568"/>
+            </a:avLst>
+          </a:prstGeom>
+        </p:spPr>
+        <p:style>
+          <a:lnRef idx="2">
+            <a:schemeClr val="accent1">
+              <a:shade val="50000"/>
+            </a:schemeClr>
+          </a:lnRef>
+          <a:fillRef idx="1">
+            <a:schemeClr val="accent1"/>
+          </a:fillRef>
+          <a:effectRef idx="0">
+            <a:schemeClr val="accent1"/>
+          </a:effectRef>
+          <a:fontRef idx="minor">
+            <a:schemeClr val="lt1"/>
+          </a:fontRef>
+        </p:style>
+        <p:txBody>
+          <a:bodyPr rtlCol="0" anchor="ctr"/>
+          <a:lstStyle/>
+          <a:p>
+            <a:pPr algn="ctr"/>
+            <a:r>
+              <a:rPr lang="de-DE" dirty="0"/>
+              <a:t>VDF Variant and Version</a:t>
+            </a:r>
+          </a:p>
+        </p:txBody>
+      </p:sp>
+      <p:sp>
+        <p:nvSpPr>
+          <p:cNvPr id="5" name="Sprechblase: rechteckig 4">
+            <a:extLst>
+              <a:ext uri="{FF2B5EF4-FFF2-40B4-BE49-F238E27FC236}">
+                <a16:creationId xmlns:a16="http://schemas.microsoft.com/office/drawing/2014/main" id="{ED788F4F-FC9D-421F-AE08-EA7CAF2D199B}"/>
+              </a:ext>
+            </a:extLst>
+          </p:cNvPr>
+          <p:cNvSpPr/>
+          <p:nvPr/>
+        </p:nvSpPr>
+        <p:spPr>
+          <a:xfrm>
+            <a:off x="5103846" y="4058816"/>
+            <a:ext cx="1343608" cy="802433"/>
+          </a:xfrm>
+          <a:prstGeom prst="wedgeRectCallout">
+            <a:avLst>
+              <a:gd name="adj1" fmla="val -45833"/>
+              <a:gd name="adj2" fmla="val -173548"/>
+            </a:avLst>
+          </a:prstGeom>
+        </p:spPr>
+        <p:style>
+          <a:lnRef idx="2">
+            <a:schemeClr val="accent1">
+              <a:shade val="50000"/>
+            </a:schemeClr>
+          </a:lnRef>
+          <a:fillRef idx="1">
+            <a:schemeClr val="accent1"/>
+          </a:fillRef>
+          <a:effectRef idx="0">
+            <a:schemeClr val="accent1"/>
+          </a:effectRef>
+          <a:fontRef idx="minor">
+            <a:schemeClr val="lt1"/>
+          </a:fontRef>
+        </p:style>
+        <p:txBody>
+          <a:bodyPr rtlCol="0" anchor="ctr"/>
+          <a:lstStyle/>
+          <a:p>
+            <a:pPr algn="ctr"/>
+            <a:r>
+              <a:rPr lang="de-DE" dirty="0"/>
+              <a:t>Memory </a:t>
+            </a:r>
+            <a:r>
+              <a:rPr lang="de-DE" dirty="0" err="1"/>
+              <a:t>Usage</a:t>
+            </a:r>
+            <a:endParaRPr lang="de-DE" dirty="0"/>
+          </a:p>
+        </p:txBody>
+      </p:sp>
+    </p:spTree>
+    <p:extLst>
+      <p:ext uri="{BB962C8B-B14F-4D97-AF65-F5344CB8AC3E}">
+        <p14:creationId xmlns:p14="http://schemas.microsoft.com/office/powerpoint/2010/main" val="3967673580"/>
+      </p:ext>
+    </p:extLst>
+  </p:cSld>
+  <p:clrMapOvr>
+    <a:masterClrMapping/>
+  </p:clrMapOvr>
+</p:sld>
+</file>
+
+<file path=ppt/slides/slide5.xml><?xml version="1.0" encoding="utf-8"?>
+<p:sld xmlns:a="http://schemas.openxmlformats.org/drawingml/2006/main" xmlns:r="http://schemas.openxmlformats.org/officeDocument/2006/relationships" xmlns:p="http://schemas.openxmlformats.org/presentationml/2006/main">
+  <p:cSld>
+    <p:spTree>
+      <p:nvGrpSpPr>
+        <p:cNvPr id="1" name=""/>
+        <p:cNvGrpSpPr/>
+        <p:nvPr/>
+      </p:nvGrpSpPr>
+      <p:grpSpPr>
+        <a:xfrm>
+          <a:off x="0" y="0"/>
+          <a:ext cx="0" cy="0"/>
+          <a:chOff x="0" y="0"/>
+          <a:chExt cx="0" cy="0"/>
+        </a:xfrm>
+      </p:grpSpPr>
+      <p:pic>
+        <p:nvPicPr>
+          <p:cNvPr id="2" name="Grafik 1">
+            <a:extLst>
+              <a:ext uri="{FF2B5EF4-FFF2-40B4-BE49-F238E27FC236}">
+                <a16:creationId xmlns:a16="http://schemas.microsoft.com/office/drawing/2014/main" id="{DC82861D-EEE4-4F9A-A03A-77DE1B92E6E6}"/>
+              </a:ext>
+            </a:extLst>
+          </p:cNvPr>
+          <p:cNvPicPr>
+            <a:picLocks noChangeAspect="1"/>
+          </p:cNvPicPr>
+          <p:nvPr/>
+        </p:nvPicPr>
+        <p:blipFill>
+          <a:blip r:embed="rId2"/>
+          <a:stretch>
+            <a:fillRect/>
+          </a:stretch>
+        </p:blipFill>
+        <p:spPr>
+          <a:xfrm>
+            <a:off x="2773469" y="3172408"/>
+            <a:ext cx="5727593" cy="442329"/>
+          </a:xfrm>
+          <a:prstGeom prst="rect">
+            <a:avLst/>
+          </a:prstGeom>
+        </p:spPr>
+      </p:pic>
+      <p:sp>
+        <p:nvSpPr>
+          <p:cNvPr id="3" name="Sprechblase: rechteckig 2">
+            <a:extLst>
+              <a:ext uri="{FF2B5EF4-FFF2-40B4-BE49-F238E27FC236}">
+                <a16:creationId xmlns:a16="http://schemas.microsoft.com/office/drawing/2014/main" id="{88F2A0C2-9D00-4934-A5D9-B31301265510}"/>
+              </a:ext>
+            </a:extLst>
+          </p:cNvPr>
+          <p:cNvSpPr/>
+          <p:nvPr/>
+        </p:nvSpPr>
+        <p:spPr>
+          <a:xfrm>
+            <a:off x="2985797" y="1296955"/>
+            <a:ext cx="1343608" cy="802433"/>
+          </a:xfrm>
+          <a:prstGeom prst="wedgeRectCallout">
+            <a:avLst>
+              <a:gd name="adj1" fmla="val 27778"/>
+              <a:gd name="adj2" fmla="val 197382"/>
+            </a:avLst>
+          </a:prstGeom>
+        </p:spPr>
+        <p:style>
+          <a:lnRef idx="2">
+            <a:schemeClr val="accent1">
+              <a:shade val="50000"/>
+            </a:schemeClr>
+          </a:lnRef>
+          <a:fillRef idx="1">
+            <a:schemeClr val="accent1"/>
+          </a:fillRef>
+          <a:effectRef idx="0">
+            <a:schemeClr val="accent1"/>
+          </a:effectRef>
+          <a:fontRef idx="minor">
+            <a:schemeClr val="lt1"/>
+          </a:fontRef>
+        </p:style>
+        <p:txBody>
+          <a:bodyPr rtlCol="0" anchor="ctr"/>
+          <a:lstStyle/>
+          <a:p>
+            <a:pPr algn="ctr"/>
+            <a:r>
+              <a:rPr lang="de-DE" dirty="0"/>
+              <a:t>VDF Version</a:t>
+            </a:r>
+          </a:p>
+        </p:txBody>
+      </p:sp>
+      <p:sp>
+        <p:nvSpPr>
+          <p:cNvPr id="4" name="Sprechblase: rechteckig 3">
+            <a:extLst>
+              <a:ext uri="{FF2B5EF4-FFF2-40B4-BE49-F238E27FC236}">
+                <a16:creationId xmlns:a16="http://schemas.microsoft.com/office/drawing/2014/main" id="{6970BA89-B20E-4C1D-8BCB-288152C7B755}"/>
+              </a:ext>
+            </a:extLst>
+          </p:cNvPr>
+          <p:cNvSpPr/>
+          <p:nvPr/>
+        </p:nvSpPr>
+        <p:spPr>
+          <a:xfrm>
+            <a:off x="6979300" y="1296955"/>
+            <a:ext cx="1343608" cy="802433"/>
+          </a:xfrm>
+          <a:prstGeom prst="wedgeRectCallout">
+            <a:avLst>
+              <a:gd name="adj1" fmla="val 27778"/>
+              <a:gd name="adj2" fmla="val 197382"/>
+            </a:avLst>
+          </a:prstGeom>
+        </p:spPr>
+        <p:style>
+          <a:lnRef idx="2">
+            <a:schemeClr val="accent1">
+              <a:shade val="50000"/>
+            </a:schemeClr>
+          </a:lnRef>
+          <a:fillRef idx="1">
+            <a:schemeClr val="accent1"/>
+          </a:fillRef>
+          <a:effectRef idx="0">
+            <a:schemeClr val="accent1"/>
+          </a:effectRef>
+          <a:fontRef idx="minor">
+            <a:schemeClr val="lt1"/>
+          </a:fontRef>
+        </p:style>
+        <p:txBody>
+          <a:bodyPr rtlCol="0" anchor="ctr"/>
+          <a:lstStyle/>
+          <a:p>
+            <a:pPr algn="ctr"/>
+            <a:r>
+              <a:rPr lang="de-DE" dirty="0"/>
+              <a:t>Sendertyp</a:t>
+            </a:r>
+          </a:p>
+        </p:txBody>
+      </p:sp>
+      <p:sp>
+        <p:nvSpPr>
+          <p:cNvPr id="5" name="Sprechblase: rechteckig 4">
+            <a:extLst>
+              <a:ext uri="{FF2B5EF4-FFF2-40B4-BE49-F238E27FC236}">
+                <a16:creationId xmlns:a16="http://schemas.microsoft.com/office/drawing/2014/main" id="{6FF8CC28-0BC7-4214-BF24-0E89AC5C4BF2}"/>
+              </a:ext>
+            </a:extLst>
+          </p:cNvPr>
+          <p:cNvSpPr/>
+          <p:nvPr/>
+        </p:nvSpPr>
+        <p:spPr>
+          <a:xfrm>
+            <a:off x="4965461" y="4286540"/>
+            <a:ext cx="1343608" cy="802433"/>
+          </a:xfrm>
+          <a:prstGeom prst="wedgeRectCallout">
+            <a:avLst>
+              <a:gd name="adj1" fmla="val 2778"/>
+              <a:gd name="adj2" fmla="val -161920"/>
+            </a:avLst>
+          </a:prstGeom>
+        </p:spPr>
+        <p:style>
+          <a:lnRef idx="2">
+            <a:schemeClr val="accent1">
+              <a:shade val="50000"/>
+            </a:schemeClr>
+          </a:lnRef>
+          <a:fillRef idx="1">
+            <a:schemeClr val="accent1"/>
+          </a:fillRef>
+          <a:effectRef idx="0">
+            <a:schemeClr val="accent1"/>
+          </a:effectRef>
+          <a:fontRef idx="minor">
+            <a:schemeClr val="lt1"/>
+          </a:fontRef>
+        </p:style>
+        <p:txBody>
+          <a:bodyPr rtlCol="0" anchor="ctr"/>
+          <a:lstStyle/>
+          <a:p>
+            <a:pPr algn="ctr"/>
+            <a:r>
+              <a:rPr lang="de-DE" dirty="0"/>
               <a:t>Länder-kennung</a:t>
             </a:r>
           </a:p>
@@ -4373,6 +5221,222 @@
     <p:extLst>
       <p:ext uri="{BB962C8B-B14F-4D97-AF65-F5344CB8AC3E}">
         <p14:creationId xmlns:p14="http://schemas.microsoft.com/office/powerpoint/2010/main" val="1125566965"/>
+      </p:ext>
+    </p:extLst>
+  </p:cSld>
+  <p:clrMapOvr>
+    <a:masterClrMapping/>
+  </p:clrMapOvr>
+</p:sld>
+</file>
+
+<file path=ppt/slides/slide6.xml><?xml version="1.0" encoding="utf-8"?>
+<p:sld xmlns:a="http://schemas.openxmlformats.org/drawingml/2006/main" xmlns:r="http://schemas.openxmlformats.org/officeDocument/2006/relationships" xmlns:p="http://schemas.openxmlformats.org/presentationml/2006/main">
+  <p:cSld>
+    <p:spTree>
+      <p:nvGrpSpPr>
+        <p:cNvPr id="1" name=""/>
+        <p:cNvGrpSpPr/>
+        <p:nvPr/>
+      </p:nvGrpSpPr>
+      <p:grpSpPr>
+        <a:xfrm>
+          <a:off x="0" y="0"/>
+          <a:ext cx="0" cy="0"/>
+          <a:chOff x="0" y="0"/>
+          <a:chExt cx="0" cy="0"/>
+        </a:xfrm>
+      </p:grpSpPr>
+      <p:pic>
+        <p:nvPicPr>
+          <p:cNvPr id="6" name="Grafik 5">
+            <a:extLst>
+              <a:ext uri="{FF2B5EF4-FFF2-40B4-BE49-F238E27FC236}">
+                <a16:creationId xmlns:a16="http://schemas.microsoft.com/office/drawing/2014/main" id="{542BA38D-E6B2-4408-B374-DA077235CC25}"/>
+              </a:ext>
+            </a:extLst>
+          </p:cNvPr>
+          <p:cNvPicPr>
+            <a:picLocks noChangeAspect="1"/>
+          </p:cNvPicPr>
+          <p:nvPr/>
+        </p:nvPicPr>
+        <p:blipFill>
+          <a:blip r:embed="rId2"/>
+          <a:stretch>
+            <a:fillRect/>
+          </a:stretch>
+        </p:blipFill>
+        <p:spPr>
+          <a:xfrm>
+            <a:off x="2773469" y="3155399"/>
+            <a:ext cx="5740119" cy="358036"/>
+          </a:xfrm>
+          <a:prstGeom prst="rect">
+            <a:avLst/>
+          </a:prstGeom>
+        </p:spPr>
+      </p:pic>
+      <p:sp>
+        <p:nvSpPr>
+          <p:cNvPr id="3" name="Sprechblase: rechteckig 2">
+            <a:extLst>
+              <a:ext uri="{FF2B5EF4-FFF2-40B4-BE49-F238E27FC236}">
+                <a16:creationId xmlns:a16="http://schemas.microsoft.com/office/drawing/2014/main" id="{88F2A0C2-9D00-4934-A5D9-B31301265510}"/>
+              </a:ext>
+            </a:extLst>
+          </p:cNvPr>
+          <p:cNvSpPr/>
+          <p:nvPr/>
+        </p:nvSpPr>
+        <p:spPr>
+          <a:xfrm>
+            <a:off x="2985797" y="1296955"/>
+            <a:ext cx="1343608" cy="802433"/>
+          </a:xfrm>
+          <a:prstGeom prst="wedgeRectCallout">
+            <a:avLst>
+              <a:gd name="adj1" fmla="val 27778"/>
+              <a:gd name="adj2" fmla="val 197382"/>
+            </a:avLst>
+          </a:prstGeom>
+        </p:spPr>
+        <p:style>
+          <a:lnRef idx="2">
+            <a:schemeClr val="accent1">
+              <a:shade val="50000"/>
+            </a:schemeClr>
+          </a:lnRef>
+          <a:fillRef idx="1">
+            <a:schemeClr val="accent1"/>
+          </a:fillRef>
+          <a:effectRef idx="0">
+            <a:schemeClr val="accent1"/>
+          </a:effectRef>
+          <a:fontRef idx="minor">
+            <a:schemeClr val="lt1"/>
+          </a:fontRef>
+        </p:style>
+        <p:txBody>
+          <a:bodyPr rtlCol="0" anchor="ctr"/>
+          <a:lstStyle/>
+          <a:p>
+            <a:pPr algn="ctr"/>
+            <a:r>
+              <a:rPr lang="de-DE" dirty="0"/>
+              <a:t>VDF Version</a:t>
+            </a:r>
+          </a:p>
+        </p:txBody>
+      </p:sp>
+      <p:sp>
+        <p:nvSpPr>
+          <p:cNvPr id="4" name="Sprechblase: rechteckig 3">
+            <a:extLst>
+              <a:ext uri="{FF2B5EF4-FFF2-40B4-BE49-F238E27FC236}">
+                <a16:creationId xmlns:a16="http://schemas.microsoft.com/office/drawing/2014/main" id="{6970BA89-B20E-4C1D-8BCB-288152C7B755}"/>
+              </a:ext>
+            </a:extLst>
+          </p:cNvPr>
+          <p:cNvSpPr/>
+          <p:nvPr/>
+        </p:nvSpPr>
+        <p:spPr>
+          <a:xfrm>
+            <a:off x="6979300" y="1296955"/>
+            <a:ext cx="1343608" cy="802433"/>
+          </a:xfrm>
+          <a:prstGeom prst="wedgeRectCallout">
+            <a:avLst>
+              <a:gd name="adj1" fmla="val 27778"/>
+              <a:gd name="adj2" fmla="val 197382"/>
+            </a:avLst>
+          </a:prstGeom>
+        </p:spPr>
+        <p:style>
+          <a:lnRef idx="2">
+            <a:schemeClr val="accent1">
+              <a:shade val="50000"/>
+            </a:schemeClr>
+          </a:lnRef>
+          <a:fillRef idx="1">
+            <a:schemeClr val="accent1"/>
+          </a:fillRef>
+          <a:effectRef idx="0">
+            <a:schemeClr val="accent1"/>
+          </a:effectRef>
+          <a:fontRef idx="minor">
+            <a:schemeClr val="lt1"/>
+          </a:fontRef>
+        </p:style>
+        <p:txBody>
+          <a:bodyPr rtlCol="0" anchor="ctr"/>
+          <a:lstStyle/>
+          <a:p>
+            <a:pPr algn="ctr"/>
+            <a:r>
+              <a:rPr lang="de-DE" dirty="0"/>
+              <a:t>Transmitter Type</a:t>
+            </a:r>
+          </a:p>
+        </p:txBody>
+      </p:sp>
+      <p:sp>
+        <p:nvSpPr>
+          <p:cNvPr id="5" name="Sprechblase: rechteckig 4">
+            <a:extLst>
+              <a:ext uri="{FF2B5EF4-FFF2-40B4-BE49-F238E27FC236}">
+                <a16:creationId xmlns:a16="http://schemas.microsoft.com/office/drawing/2014/main" id="{6FF8CC28-0BC7-4214-BF24-0E89AC5C4BF2}"/>
+              </a:ext>
+            </a:extLst>
+          </p:cNvPr>
+          <p:cNvSpPr/>
+          <p:nvPr/>
+        </p:nvSpPr>
+        <p:spPr>
+          <a:xfrm>
+            <a:off x="4965461" y="4286540"/>
+            <a:ext cx="1343608" cy="802433"/>
+          </a:xfrm>
+          <a:prstGeom prst="wedgeRectCallout">
+            <a:avLst>
+              <a:gd name="adj1" fmla="val 2778"/>
+              <a:gd name="adj2" fmla="val -161920"/>
+            </a:avLst>
+          </a:prstGeom>
+        </p:spPr>
+        <p:style>
+          <a:lnRef idx="2">
+            <a:schemeClr val="accent1">
+              <a:shade val="50000"/>
+            </a:schemeClr>
+          </a:lnRef>
+          <a:fillRef idx="1">
+            <a:schemeClr val="accent1"/>
+          </a:fillRef>
+          <a:effectRef idx="0">
+            <a:schemeClr val="accent1"/>
+          </a:effectRef>
+          <a:fontRef idx="minor">
+            <a:schemeClr val="lt1"/>
+          </a:fontRef>
+        </p:style>
+        <p:txBody>
+          <a:bodyPr rtlCol="0" anchor="ctr"/>
+          <a:lstStyle/>
+          <a:p>
+            <a:pPr algn="ctr"/>
+            <a:r>
+              <a:rPr lang="de-DE" dirty="0"/>
+              <a:t>County Code</a:t>
+            </a:r>
+          </a:p>
+        </p:txBody>
+      </p:sp>
+    </p:spTree>
+    <p:extLst>
+      <p:ext uri="{BB962C8B-B14F-4D97-AF65-F5344CB8AC3E}">
+        <p14:creationId xmlns:p14="http://schemas.microsoft.com/office/powerpoint/2010/main" val="3504210947"/>
       </p:ext>
     </p:extLst>
   </p:cSld>

--- a/VDFEditor/VDFEditor.pptx
+++ b/VDFEditor/VDFEditor.pptx
@@ -279,7 +279,7 @@
           <a:p>
             <a:fld id="{693F9E9F-A3DC-4553-B530-B0EEE8F5ED46}" type="datetimeFigureOut">
               <a:rPr lang="de-DE" smtClean="0"/>
-              <a:t>24.09.2017</a:t>
+              <a:t>25.09.2017</a:t>
             </a:fld>
             <a:endParaRPr lang="de-DE"/>
           </a:p>
@@ -477,7 +477,7 @@
           <a:p>
             <a:fld id="{693F9E9F-A3DC-4553-B530-B0EEE8F5ED46}" type="datetimeFigureOut">
               <a:rPr lang="de-DE" smtClean="0"/>
-              <a:t>24.09.2017</a:t>
+              <a:t>25.09.2017</a:t>
             </a:fld>
             <a:endParaRPr lang="de-DE"/>
           </a:p>
@@ -685,7 +685,7 @@
           <a:p>
             <a:fld id="{693F9E9F-A3DC-4553-B530-B0EEE8F5ED46}" type="datetimeFigureOut">
               <a:rPr lang="de-DE" smtClean="0"/>
-              <a:t>24.09.2017</a:t>
+              <a:t>25.09.2017</a:t>
             </a:fld>
             <a:endParaRPr lang="de-DE"/>
           </a:p>
@@ -883,7 +883,7 @@
           <a:p>
             <a:fld id="{693F9E9F-A3DC-4553-B530-B0EEE8F5ED46}" type="datetimeFigureOut">
               <a:rPr lang="de-DE" smtClean="0"/>
-              <a:t>24.09.2017</a:t>
+              <a:t>25.09.2017</a:t>
             </a:fld>
             <a:endParaRPr lang="de-DE"/>
           </a:p>
@@ -1158,7 +1158,7 @@
           <a:p>
             <a:fld id="{693F9E9F-A3DC-4553-B530-B0EEE8F5ED46}" type="datetimeFigureOut">
               <a:rPr lang="de-DE" smtClean="0"/>
-              <a:t>24.09.2017</a:t>
+              <a:t>25.09.2017</a:t>
             </a:fld>
             <a:endParaRPr lang="de-DE"/>
           </a:p>
@@ -1423,7 +1423,7 @@
           <a:p>
             <a:fld id="{693F9E9F-A3DC-4553-B530-B0EEE8F5ED46}" type="datetimeFigureOut">
               <a:rPr lang="de-DE" smtClean="0"/>
-              <a:t>24.09.2017</a:t>
+              <a:t>25.09.2017</a:t>
             </a:fld>
             <a:endParaRPr lang="de-DE"/>
           </a:p>
@@ -1835,7 +1835,7 @@
           <a:p>
             <a:fld id="{693F9E9F-A3DC-4553-B530-B0EEE8F5ED46}" type="datetimeFigureOut">
               <a:rPr lang="de-DE" smtClean="0"/>
-              <a:t>24.09.2017</a:t>
+              <a:t>25.09.2017</a:t>
             </a:fld>
             <a:endParaRPr lang="de-DE"/>
           </a:p>
@@ -1976,7 +1976,7 @@
           <a:p>
             <a:fld id="{693F9E9F-A3DC-4553-B530-B0EEE8F5ED46}" type="datetimeFigureOut">
               <a:rPr lang="de-DE" smtClean="0"/>
-              <a:t>24.09.2017</a:t>
+              <a:t>25.09.2017</a:t>
             </a:fld>
             <a:endParaRPr lang="de-DE"/>
           </a:p>
@@ -2089,7 +2089,7 @@
           <a:p>
             <a:fld id="{693F9E9F-A3DC-4553-B530-B0EEE8F5ED46}" type="datetimeFigureOut">
               <a:rPr lang="de-DE" smtClean="0"/>
-              <a:t>24.09.2017</a:t>
+              <a:t>25.09.2017</a:t>
             </a:fld>
             <a:endParaRPr lang="de-DE"/>
           </a:p>
@@ -2400,7 +2400,7 @@
           <a:p>
             <a:fld id="{693F9E9F-A3DC-4553-B530-B0EEE8F5ED46}" type="datetimeFigureOut">
               <a:rPr lang="de-DE" smtClean="0"/>
-              <a:t>24.09.2017</a:t>
+              <a:t>25.09.2017</a:t>
             </a:fld>
             <a:endParaRPr lang="de-DE"/>
           </a:p>
@@ -2688,7 +2688,7 @@
           <a:p>
             <a:fld id="{693F9E9F-A3DC-4553-B530-B0EEE8F5ED46}" type="datetimeFigureOut">
               <a:rPr lang="de-DE" smtClean="0"/>
-              <a:t>24.09.2017</a:t>
+              <a:t>25.09.2017</a:t>
             </a:fld>
             <a:endParaRPr lang="de-DE"/>
           </a:p>
@@ -2929,7 +2929,7 @@
           <a:p>
             <a:fld id="{693F9E9F-A3DC-4553-B530-B0EEE8F5ED46}" type="datetimeFigureOut">
               <a:rPr lang="de-DE" smtClean="0"/>
-              <a:t>24.09.2017</a:t>
+              <a:t>25.09.2017</a:t>
             </a:fld>
             <a:endParaRPr lang="de-DE"/>
           </a:p>
@@ -3972,10 +3972,10 @@
       </p:grpSpPr>
       <p:pic>
         <p:nvPicPr>
-          <p:cNvPr id="2" name="Grafik 1">
-            <a:extLst>
-              <a:ext uri="{FF2B5EF4-FFF2-40B4-BE49-F238E27FC236}">
-                <a16:creationId xmlns:a16="http://schemas.microsoft.com/office/drawing/2014/main" id="{8256DBFD-3D48-47C5-936F-98906E37E30B}"/>
+          <p:cNvPr id="3" name="Grafik 2">
+            <a:extLst>
+              <a:ext uri="{FF2B5EF4-FFF2-40B4-BE49-F238E27FC236}">
+                <a16:creationId xmlns:a16="http://schemas.microsoft.com/office/drawing/2014/main" id="{1227B613-A623-4CF9-B868-E7BA6B9861CA}"/>
               </a:ext>
             </a:extLst>
           </p:cNvPr>
@@ -3992,7 +3992,7 @@
         </p:blipFill>
         <p:spPr>
           <a:xfrm>
-            <a:off x="4185945" y="0"/>
+            <a:off x="4191278" y="0"/>
             <a:ext cx="3859547" cy="6858000"/>
           </a:xfrm>
           <a:prstGeom prst="rect">
@@ -4150,8 +4150,8 @@
           <a:p>
             <a:pPr algn="ctr"/>
             <a:r>
-              <a:rPr lang="en-US"/>
-              <a:t>Transmitter Type</a:t>
+              <a:rPr lang="en-US" dirty="0"/>
+              <a:t>Radio Type</a:t>
             </a:r>
           </a:p>
         </p:txBody>
@@ -4170,13 +4170,13 @@
         </p:nvSpPr>
         <p:spPr>
           <a:xfrm>
-            <a:off x="7797281" y="3853543"/>
+            <a:off x="6839148" y="4702629"/>
             <a:ext cx="1343608" cy="802433"/>
           </a:xfrm>
           <a:prstGeom prst="wedgeRectCallout">
             <a:avLst>
-              <a:gd name="adj1" fmla="val -173610"/>
-              <a:gd name="adj2" fmla="val 307848"/>
+              <a:gd name="adj1" fmla="val -100893"/>
+              <a:gd name="adj2" fmla="val 186089"/>
             </a:avLst>
           </a:prstGeom>
         </p:spPr>
@@ -4202,7 +4202,7 @@
           <a:p>
             <a:pPr algn="ctr"/>
             <a:r>
-              <a:rPr lang="en-US"/>
+              <a:rPr lang="en-US" dirty="0"/>
               <a:t>Country Code</a:t>
             </a:r>
           </a:p>
@@ -4479,8 +4479,8 @@
           </a:xfrm>
           <a:prstGeom prst="wedgeRectCallout">
             <a:avLst>
-              <a:gd name="adj1" fmla="val 168057"/>
-              <a:gd name="adj2" fmla="val -17733"/>
+              <a:gd name="adj1" fmla="val 143616"/>
+              <a:gd name="adj2" fmla="val -23977"/>
             </a:avLst>
           </a:prstGeom>
         </p:spPr>
@@ -4526,8 +4526,8 @@
         </p:nvSpPr>
         <p:spPr>
           <a:xfrm>
-            <a:off x="8136063" y="1045029"/>
-            <a:ext cx="1343608" cy="802433"/>
+            <a:off x="8136062" y="1045029"/>
+            <a:ext cx="1639093" cy="802433"/>
           </a:xfrm>
           <a:prstGeom prst="wedgeRectCallout">
             <a:avLst>
@@ -4558,8 +4558,8 @@
           <a:p>
             <a:pPr algn="ctr"/>
             <a:r>
-              <a:rPr lang="en-US"/>
-              <a:t>Name</a:t>
+              <a:rPr lang="en-US" dirty="0"/>
+              <a:t>Announcement Name</a:t>
             </a:r>
           </a:p>
         </p:txBody>
@@ -5249,10 +5249,10 @@
       </p:grpSpPr>
       <p:pic>
         <p:nvPicPr>
-          <p:cNvPr id="6" name="Grafik 5">
-            <a:extLst>
-              <a:ext uri="{FF2B5EF4-FFF2-40B4-BE49-F238E27FC236}">
-                <a16:creationId xmlns:a16="http://schemas.microsoft.com/office/drawing/2014/main" id="{542BA38D-E6B2-4408-B374-DA077235CC25}"/>
+          <p:cNvPr id="2" name="Grafik 1">
+            <a:extLst>
+              <a:ext uri="{FF2B5EF4-FFF2-40B4-BE49-F238E27FC236}">
+                <a16:creationId xmlns:a16="http://schemas.microsoft.com/office/drawing/2014/main" id="{504893E0-2A52-4DE5-A153-16D409C02A2A}"/>
               </a:ext>
             </a:extLst>
           </p:cNvPr>
@@ -5269,8 +5269,8 @@
         </p:blipFill>
         <p:spPr>
           <a:xfrm>
-            <a:off x="2773469" y="3155399"/>
-            <a:ext cx="5740119" cy="358036"/>
+            <a:off x="2773469" y="3121997"/>
+            <a:ext cx="5730222" cy="412576"/>
           </a:xfrm>
           <a:prstGeom prst="rect">
             <a:avLst/>
@@ -5376,7 +5376,7 @@
             <a:pPr algn="ctr"/>
             <a:r>
               <a:rPr lang="de-DE" dirty="0"/>
-              <a:t>Transmitter Type</a:t>
+              <a:t>Radio Type</a:t>
             </a:r>
           </a:p>
         </p:txBody>
